--- a/Figure-3-1/Figure31/Figure31_normal.pptx
+++ b/Figure-3-1/Figure31/Figure31_normal.pptx
@@ -625,6 +625,420 @@
             <a:r>
               <a:rPr/>
               <a:t>breaks</a:t>
+            </a:r>
+          </a:p>
+          <a:p>
+            <a:pPr lvl="0" marL="0" indent="0">
+              <a:buNone/>
+            </a:pPr>
+          </a:p>
+          <a:p>
+            <a:pPr lvl="0" marL="0" indent="0">
+              <a:buNone/>
+            </a:pPr>
+            <a:r>
+              <a:rPr/>
+              <a:t>Notes:</a:t>
+            </a:r>
+            <a:r>
+              <a:rPr/>
+              <a:t> </a:t>
+            </a:r>
+            <a:r>
+              <a:rPr/>
+              <a:t>Value</a:t>
+            </a:r>
+            <a:r>
+              <a:rPr/>
+              <a:t> </a:t>
+            </a:r>
+            <a:r>
+              <a:rPr/>
+              <a:t>of</a:t>
+            </a:r>
+            <a:r>
+              <a:rPr/>
+              <a:t> </a:t>
+            </a:r>
+            <a:r>
+              <a:rPr/>
+              <a:t>tax</a:t>
+            </a:r>
+            <a:r>
+              <a:rPr/>
+              <a:t> </a:t>
+            </a:r>
+            <a:r>
+              <a:rPr/>
+              <a:t>breaks</a:t>
+            </a:r>
+            <a:r>
+              <a:rPr/>
+              <a:t> </a:t>
+            </a:r>
+            <a:r>
+              <a:rPr/>
+              <a:t>calculated</a:t>
+            </a:r>
+            <a:r>
+              <a:rPr/>
+              <a:t> </a:t>
+            </a:r>
+            <a:r>
+              <a:rPr/>
+              <a:t>against</a:t>
+            </a:r>
+            <a:r>
+              <a:rPr/>
+              <a:t> </a:t>
+            </a:r>
+            <a:r>
+              <a:rPr/>
+              <a:t>a</a:t>
+            </a:r>
+            <a:r>
+              <a:rPr/>
+              <a:t> </a:t>
+            </a:r>
+            <a:r>
+              <a:rPr/>
+              <a:t>comprehensiveincome</a:t>
+            </a:r>
+            <a:r>
+              <a:rPr/>
+              <a:t> </a:t>
+            </a:r>
+            <a:r>
+              <a:rPr/>
+              <a:t>tax</a:t>
+            </a:r>
+            <a:r>
+              <a:rPr/>
+              <a:t> </a:t>
+            </a:r>
+            <a:r>
+              <a:rPr/>
+              <a:t>benchmark.</a:t>
+            </a:r>
+            <a:r>
+              <a:rPr/>
+              <a:t> </a:t>
+            </a:r>
+            <a:r>
+              <a:rPr/>
+              <a:t>Deciles</a:t>
+            </a:r>
+            <a:r>
+              <a:rPr/>
+              <a:t> </a:t>
+            </a:r>
+            <a:r>
+              <a:rPr/>
+              <a:t>sorted</a:t>
+            </a:r>
+            <a:r>
+              <a:rPr/>
+              <a:t> </a:t>
+            </a:r>
+            <a:r>
+              <a:rPr/>
+              <a:t>by</a:t>
+            </a:r>
+            <a:r>
+              <a:rPr/>
+              <a:t> </a:t>
+            </a:r>
+            <a:r>
+              <a:rPr/>
+              <a:t>taxable</a:t>
+            </a:r>
+            <a:r>
+              <a:rPr/>
+              <a:t> </a:t>
+            </a:r>
+            <a:r>
+              <a:rPr/>
+              <a:t>income.Projections</a:t>
+            </a:r>
+            <a:r>
+              <a:rPr/>
+              <a:t> </a:t>
+            </a:r>
+            <a:r>
+              <a:rPr/>
+              <a:t>to</a:t>
+            </a:r>
+            <a:r>
+              <a:rPr/>
+              <a:t> </a:t>
+            </a:r>
+            <a:r>
+              <a:rPr/>
+              <a:t>2020-21</a:t>
+            </a:r>
+            <a:r>
+              <a:rPr/>
+              <a:t> </a:t>
+            </a:r>
+            <a:r>
+              <a:rPr/>
+              <a:t>assume</a:t>
+            </a:r>
+            <a:r>
+              <a:rPr/>
+              <a:t> </a:t>
+            </a:r>
+            <a:r>
+              <a:rPr/>
+              <a:t>2%</a:t>
+            </a:r>
+            <a:r>
+              <a:rPr/>
+              <a:t> </a:t>
+            </a:r>
+            <a:r>
+              <a:rPr/>
+              <a:t>wage</a:t>
+            </a:r>
+            <a:r>
+              <a:rPr/>
+              <a:t> </a:t>
+            </a:r>
+            <a:r>
+              <a:rPr/>
+              <a:t>growth</a:t>
+            </a:r>
+            <a:r>
+              <a:rPr/>
+              <a:t> </a:t>
+            </a:r>
+            <a:r>
+              <a:rPr/>
+              <a:t>and</a:t>
+            </a:r>
+            <a:r>
+              <a:rPr/>
+              <a:t> </a:t>
+            </a:r>
+            <a:r>
+              <a:rPr/>
+              <a:t>0%</a:t>
+            </a:r>
+            <a:r>
+              <a:rPr/>
+              <a:t> </a:t>
+            </a:r>
+            <a:r>
+              <a:rPr/>
+              <a:t>growth</a:t>
+            </a:r>
+            <a:r>
+              <a:rPr/>
+              <a:t> </a:t>
+            </a:r>
+            <a:r>
+              <a:rPr/>
+              <a:t>in</a:t>
+            </a:r>
+            <a:r>
+              <a:rPr/>
+              <a:t> </a:t>
+            </a:r>
+            <a:r>
+              <a:rPr/>
+              <a:t>the</a:t>
+            </a:r>
+            <a:r>
+              <a:rPr/>
+              <a:t> </a:t>
+            </a:r>
+            <a:r>
+              <a:rPr/>
+              <a:t>number</a:t>
+            </a:r>
+            <a:r>
+              <a:rPr/>
+              <a:t> </a:t>
+            </a:r>
+            <a:r>
+              <a:rPr/>
+              <a:t>of</a:t>
+            </a:r>
+            <a:r>
+              <a:rPr/>
+              <a:t> </a:t>
+            </a:r>
+            <a:r>
+              <a:rPr/>
+              <a:t>taxfilers</a:t>
+            </a:r>
+            <a:r>
+              <a:rPr/>
+              <a:t> </a:t>
+            </a:r>
+            <a:r>
+              <a:rPr/>
+              <a:t>from</a:t>
+            </a:r>
+            <a:r>
+              <a:rPr/>
+              <a:t> </a:t>
+            </a:r>
+            <a:r>
+              <a:rPr/>
+              <a:t>2019-20</a:t>
+            </a:r>
+            <a:r>
+              <a:rPr/>
+              <a:t> </a:t>
+            </a:r>
+            <a:r>
+              <a:rPr/>
+              <a:t>to</a:t>
+            </a:r>
+            <a:r>
+              <a:rPr/>
+              <a:t> </a:t>
+            </a:r>
+            <a:r>
+              <a:rPr/>
+              <a:t>2020-21</a:t>
+            </a:r>
+            <a:r>
+              <a:rPr/>
+              <a:t> </a:t>
+            </a:r>
+            <a:r>
+              <a:rPr/>
+              <a:t>Only</a:t>
+            </a:r>
+            <a:r>
+              <a:rPr/>
+              <a:t> </a:t>
+            </a:r>
+            <a:r>
+              <a:rPr/>
+              <a:t>includes</a:t>
+            </a:r>
+            <a:r>
+              <a:rPr/>
+              <a:t> </a:t>
+            </a:r>
+            <a:r>
+              <a:rPr/>
+              <a:t>taxpayers</a:t>
+            </a:r>
+            <a:r>
+              <a:rPr/>
+              <a:t> </a:t>
+            </a:r>
+            <a:r>
+              <a:rPr/>
+              <a:t>that</a:t>
+            </a:r>
+            <a:r>
+              <a:rPr/>
+              <a:t> </a:t>
+            </a:r>
+            <a:r>
+              <a:rPr/>
+              <a:t>made</a:t>
+            </a:r>
+            <a:r>
+              <a:rPr/>
+              <a:t> </a:t>
+            </a:r>
+            <a:r>
+              <a:rPr/>
+              <a:t>a</a:t>
+            </a:r>
+            <a:r>
+              <a:rPr/>
+              <a:t> </a:t>
+            </a:r>
+            <a:r>
+              <a:rPr/>
+              <a:t>pre-tax</a:t>
+            </a:r>
+            <a:r>
+              <a:rPr/>
+              <a:t> </a:t>
+            </a:r>
+            <a:r>
+              <a:rPr/>
+              <a:t>contribution</a:t>
+            </a:r>
+            <a:r>
+              <a:rPr/>
+              <a:t> </a:t>
+            </a:r>
+            <a:r>
+              <a:rPr/>
+              <a:t>in</a:t>
+            </a:r>
+            <a:r>
+              <a:rPr/>
+              <a:t> </a:t>
+            </a:r>
+            <a:r>
+              <a:rPr/>
+              <a:t>that</a:t>
+            </a:r>
+            <a:r>
+              <a:rPr/>
+              <a:t> </a:t>
+            </a:r>
+            <a:r>
+              <a:rPr/>
+              <a:t>year.</a:t>
+            </a:r>
+            <a:r>
+              <a:rPr/>
+              <a:t> </a:t>
+            </a:r>
+            <a:r>
+              <a:rPr/>
+              <a:t>Source:</a:t>
+            </a:r>
+            <a:r>
+              <a:rPr/>
+              <a:t> </a:t>
+            </a:r>
+            <a:r>
+              <a:rPr/>
+              <a:t>ATO</a:t>
+            </a:r>
+            <a:r>
+              <a:rPr/>
+              <a:t> </a:t>
+            </a:r>
+            <a:r>
+              <a:rPr/>
+              <a:t>2017-18</a:t>
+            </a:r>
+            <a:r>
+              <a:rPr/>
+              <a:t> </a:t>
+            </a:r>
+            <a:r>
+              <a:rPr/>
+              <a:t>2%</a:t>
+            </a:r>
+            <a:r>
+              <a:rPr/>
+              <a:t> </a:t>
+            </a:r>
+            <a:r>
+              <a:rPr/>
+              <a:t>sample</a:t>
+            </a:r>
+            <a:r>
+              <a:rPr/>
+              <a:t> </a:t>
+            </a:r>
+            <a:r>
+              <a:rPr/>
+              <a:t>file</a:t>
             </a:r>
           </a:p>
           <a:p>

--- a/Figure-3-1/Figure31/Figure31_normal.pptx
+++ b/Figure-3-1/Figure31/Figure31_normal.pptx
@@ -702,7 +702,15 @@
             </a:r>
             <a:r>
               <a:rPr/>
-              <a:t>comprehensiveincome</a:t>
+              <a:t>comprehensive</a:t>
+            </a:r>
+            <a:r>
+              <a:rPr/>
+              <a:t> </a:t>
+            </a:r>
+            <a:r>
+              <a:rPr/>
+              <a:t>income</a:t>
             </a:r>
             <a:r>
               <a:rPr/>
@@ -758,7 +766,455 @@
             </a:r>
             <a:r>
               <a:rPr/>
-              <a:t>income.Projections</a:t>
+              <a:t>income.Superannuation</a:t>
+            </a:r>
+            <a:r>
+              <a:rPr/>
+              <a:t> </a:t>
+            </a:r>
+            <a:r>
+              <a:rPr/>
+              <a:t>tax</a:t>
+            </a:r>
+            <a:r>
+              <a:rPr/>
+              <a:t> </a:t>
+            </a:r>
+            <a:r>
+              <a:rPr/>
+              <a:t>breaks</a:t>
+            </a:r>
+            <a:r>
+              <a:rPr/>
+              <a:t> </a:t>
+            </a:r>
+            <a:r>
+              <a:rPr/>
+              <a:t>includes</a:t>
+            </a:r>
+            <a:r>
+              <a:rPr/>
+              <a:t> </a:t>
+            </a:r>
+            <a:r>
+              <a:rPr/>
+              <a:t>concessional</a:t>
+            </a:r>
+            <a:r>
+              <a:rPr/>
+              <a:t> </a:t>
+            </a:r>
+            <a:r>
+              <a:rPr/>
+              <a:t>taxes</a:t>
+            </a:r>
+            <a:r>
+              <a:rPr/>
+              <a:t> </a:t>
+            </a:r>
+            <a:r>
+              <a:rPr/>
+              <a:t>for</a:t>
+            </a:r>
+            <a:r>
+              <a:rPr/>
+              <a:t> </a:t>
+            </a:r>
+            <a:r>
+              <a:rPr/>
+              <a:t>contributions</a:t>
+            </a:r>
+            <a:r>
+              <a:rPr/>
+              <a:t> </a:t>
+            </a:r>
+            <a:r>
+              <a:rPr/>
+              <a:t>and</a:t>
+            </a:r>
+            <a:r>
+              <a:rPr/>
+              <a:t> </a:t>
+            </a:r>
+            <a:r>
+              <a:rPr/>
+              <a:t>earnings,</a:t>
+            </a:r>
+            <a:r>
+              <a:rPr/>
+              <a:t> </a:t>
+            </a:r>
+            <a:r>
+              <a:rPr/>
+              <a:t>taking</a:t>
+            </a:r>
+            <a:r>
+              <a:rPr/>
+              <a:t> </a:t>
+            </a:r>
+            <a:r>
+              <a:rPr/>
+              <a:t>into</a:t>
+            </a:r>
+            <a:r>
+              <a:rPr/>
+              <a:t> </a:t>
+            </a:r>
+            <a:r>
+              <a:rPr/>
+              <a:t>account</a:t>
+            </a:r>
+            <a:r>
+              <a:rPr/>
+              <a:t> </a:t>
+            </a:r>
+            <a:r>
+              <a:rPr/>
+              <a:t>LISTO.</a:t>
+            </a:r>
+            <a:r>
+              <a:rPr/>
+              <a:t> </a:t>
+            </a:r>
+            <a:r>
+              <a:rPr/>
+              <a:t>Assumes</a:t>
+            </a:r>
+            <a:r>
+              <a:rPr/>
+              <a:t> </a:t>
+            </a:r>
+            <a:r>
+              <a:rPr/>
+              <a:t>5%</a:t>
+            </a:r>
+            <a:r>
+              <a:rPr/>
+              <a:t> </a:t>
+            </a:r>
+            <a:r>
+              <a:rPr/>
+              <a:t>earnings</a:t>
+            </a:r>
+            <a:r>
+              <a:rPr/>
+              <a:t> </a:t>
+            </a:r>
+            <a:r>
+              <a:rPr/>
+              <a:t>in</a:t>
+            </a:r>
+            <a:r>
+              <a:rPr/>
+              <a:t> </a:t>
+            </a:r>
+            <a:r>
+              <a:rPr/>
+              <a:t>retirement</a:t>
+            </a:r>
+            <a:r>
+              <a:rPr/>
+              <a:t> </a:t>
+            </a:r>
+            <a:r>
+              <a:rPr/>
+              <a:t>and</a:t>
+            </a:r>
+            <a:r>
+              <a:rPr/>
+              <a:t> </a:t>
+            </a:r>
+            <a:r>
+              <a:rPr/>
+              <a:t>7%</a:t>
+            </a:r>
+            <a:r>
+              <a:rPr/>
+              <a:t> </a:t>
+            </a:r>
+            <a:r>
+              <a:rPr/>
+              <a:t>earnings</a:t>
+            </a:r>
+            <a:r>
+              <a:rPr/>
+              <a:t> </a:t>
+            </a:r>
+            <a:r>
+              <a:rPr/>
+              <a:t>in</a:t>
+            </a:r>
+            <a:r>
+              <a:rPr/>
+              <a:t> </a:t>
+            </a:r>
+            <a:r>
+              <a:rPr/>
+              <a:t>accumulation;</a:t>
+            </a:r>
+            <a:r>
+              <a:rPr/>
+              <a:t> </a:t>
+            </a:r>
+            <a:r>
+              <a:rPr/>
+              <a:t>assumes</a:t>
+            </a:r>
+            <a:r>
+              <a:rPr/>
+              <a:t> </a:t>
+            </a:r>
+            <a:r>
+              <a:rPr/>
+              <a:t>that</a:t>
+            </a:r>
+            <a:r>
+              <a:rPr/>
+              <a:t> </a:t>
+            </a:r>
+            <a:r>
+              <a:rPr/>
+              <a:t>the</a:t>
+            </a:r>
+            <a:r>
+              <a:rPr/>
+              <a:t> </a:t>
+            </a:r>
+            <a:r>
+              <a:rPr/>
+              <a:t>effective</a:t>
+            </a:r>
+            <a:r>
+              <a:rPr/>
+              <a:t> </a:t>
+            </a:r>
+            <a:r>
+              <a:rPr/>
+              <a:t>tax</a:t>
+            </a:r>
+            <a:r>
+              <a:rPr/>
+              <a:t> </a:t>
+            </a:r>
+            <a:r>
+              <a:rPr/>
+              <a:t>on</a:t>
+            </a:r>
+            <a:r>
+              <a:rPr/>
+              <a:t> </a:t>
+            </a:r>
+            <a:r>
+              <a:rPr/>
+              <a:t>earnings</a:t>
+            </a:r>
+            <a:r>
+              <a:rPr/>
+              <a:t> </a:t>
+            </a:r>
+            <a:r>
+              <a:rPr/>
+              <a:t>is</a:t>
+            </a:r>
+            <a:r>
+              <a:rPr/>
+              <a:t> </a:t>
+            </a:r>
+            <a:r>
+              <a:rPr/>
+              <a:t>10%</a:t>
+            </a:r>
+            <a:r>
+              <a:rPr/>
+              <a:t> </a:t>
+            </a:r>
+            <a:r>
+              <a:rPr/>
+              <a:t>assumes,</a:t>
+            </a:r>
+            <a:r>
+              <a:rPr/>
+              <a:t> </a:t>
+            </a:r>
+            <a:r>
+              <a:rPr/>
+              <a:t>if</a:t>
+            </a:r>
+            <a:r>
+              <a:rPr/>
+              <a:t> </a:t>
+            </a:r>
+            <a:r>
+              <a:rPr/>
+              <a:t>earnings</a:t>
+            </a:r>
+            <a:r>
+              <a:rPr/>
+              <a:t> </a:t>
+            </a:r>
+            <a:r>
+              <a:rPr/>
+              <a:t>taxes</a:t>
+            </a:r>
+            <a:r>
+              <a:rPr/>
+              <a:t> </a:t>
+            </a:r>
+            <a:r>
+              <a:rPr/>
+              <a:t>were</a:t>
+            </a:r>
+            <a:r>
+              <a:rPr/>
+              <a:t> </a:t>
+            </a:r>
+            <a:r>
+              <a:rPr/>
+              <a:t>abolished,</a:t>
+            </a:r>
+            <a:r>
+              <a:rPr/>
+              <a:t> </a:t>
+            </a:r>
+            <a:r>
+              <a:rPr/>
+              <a:t>taxfilers</a:t>
+            </a:r>
+            <a:r>
+              <a:rPr/>
+              <a:t> </a:t>
+            </a:r>
+            <a:r>
+              <a:rPr/>
+              <a:t>would</a:t>
+            </a:r>
+            <a:r>
+              <a:rPr/>
+              <a:t> </a:t>
+            </a:r>
+            <a:r>
+              <a:rPr/>
+              <a:t>put</a:t>
+            </a:r>
+            <a:r>
+              <a:rPr/>
+              <a:t> </a:t>
+            </a:r>
+            <a:r>
+              <a:rPr/>
+              <a:t>80%</a:t>
+            </a:r>
+            <a:r>
+              <a:rPr/>
+              <a:t> </a:t>
+            </a:r>
+            <a:r>
+              <a:rPr/>
+              <a:t>of</a:t>
+            </a:r>
+            <a:r>
+              <a:rPr/>
+              <a:t> </a:t>
+            </a:r>
+            <a:r>
+              <a:rPr/>
+              <a:t>earnings</a:t>
+            </a:r>
+            <a:r>
+              <a:rPr/>
+              <a:t> </a:t>
+            </a:r>
+            <a:r>
+              <a:rPr/>
+              <a:t>income</a:t>
+            </a:r>
+            <a:r>
+              <a:rPr/>
+              <a:t> </a:t>
+            </a:r>
+            <a:r>
+              <a:rPr/>
+              <a:t>into</a:t>
+            </a:r>
+            <a:r>
+              <a:rPr/>
+              <a:t> </a:t>
+            </a:r>
+            <a:r>
+              <a:rPr/>
+              <a:t>assets</a:t>
+            </a:r>
+            <a:r>
+              <a:rPr/>
+              <a:t> </a:t>
+            </a:r>
+            <a:r>
+              <a:rPr/>
+              <a:t>that</a:t>
+            </a:r>
+            <a:r>
+              <a:rPr/>
+              <a:t> </a:t>
+            </a:r>
+            <a:r>
+              <a:rPr/>
+              <a:t>would</a:t>
+            </a:r>
+            <a:r>
+              <a:rPr/>
+              <a:t> </a:t>
+            </a:r>
+            <a:r>
+              <a:rPr/>
+              <a:t>enjoy</a:t>
+            </a:r>
+            <a:r>
+              <a:rPr/>
+              <a:t> </a:t>
+            </a:r>
+            <a:r>
+              <a:rPr/>
+              <a:t>the</a:t>
+            </a:r>
+            <a:r>
+              <a:rPr/>
+              <a:t> </a:t>
+            </a:r>
+            <a:r>
+              <a:rPr/>
+              <a:t>capital</a:t>
+            </a:r>
+            <a:r>
+              <a:rPr/>
+              <a:t> </a:t>
+            </a:r>
+            <a:r>
+              <a:rPr/>
+              <a:t>gains</a:t>
+            </a:r>
+            <a:r>
+              <a:rPr/>
+              <a:t> </a:t>
+            </a:r>
+            <a:r>
+              <a:rPr/>
+              <a:t>tax</a:t>
+            </a:r>
+            <a:r>
+              <a:rPr/>
+              <a:t> </a:t>
+            </a:r>
+            <a:r>
+              <a:rPr/>
+              <a:t>discount;</a:t>
+            </a:r>
+            <a:r>
+              <a:rPr/>
+              <a:t> </a:t>
+            </a:r>
+            <a:r>
+              <a:rPr/>
+              <a:t>Projections</a:t>
             </a:r>
             <a:r>
               <a:rPr/>
@@ -4041,7 +4497,7 @@
           </p:nvSpPr>
           <p:spPr>
             <a:xfrm>
-              <a:off x="358587" y="4457922"/>
+              <a:off x="358587" y="4618799"/>
               <a:ext cx="7509284" cy="0"/>
             </a:xfrm>
             <a:custGeom>
@@ -4084,7 +4540,7 @@
           </p:nvSpPr>
           <p:spPr>
             <a:xfrm>
-              <a:off x="358587" y="2959152"/>
+              <a:off x="358587" y="3242413"/>
               <a:ext cx="7509284" cy="0"/>
             </a:xfrm>
             <a:custGeom>
@@ -4127,7 +4583,7 @@
           </p:nvSpPr>
           <p:spPr>
             <a:xfrm>
-              <a:off x="358587" y="1460382"/>
+              <a:off x="358587" y="1866027"/>
               <a:ext cx="7509284" cy="0"/>
             </a:xfrm>
             <a:custGeom>
@@ -4164,31 +4620,39 @@
         </p:sp>
         <p:sp>
           <p:nvSpPr>
-            <p:cNvPr id="11" name="rc9"/>
+            <p:cNvPr id="11" name="pl9"/>
             <p:cNvSpPr/>
             <p:nvPr/>
           </p:nvSpPr>
           <p:spPr>
             <a:xfrm>
-              <a:off x="469017" y="4457922"/>
-              <a:ext cx="662583" cy="160876"/>
+              <a:off x="358587" y="489641"/>
+              <a:ext cx="7509284" cy="0"/>
             </a:xfrm>
-            <a:prstGeom prst="rect">
+            <a:custGeom>
               <a:avLst/>
-            </a:prstGeom>
-            <a:solidFill>
-              <a:srgbClr val="F68B33">
-                <a:alpha val="100000"/>
-              </a:srgbClr>
-            </a:solidFill>
-            <a:ln w="7143" cap="sq">
+              <a:pathLst>
+                <a:path w="7509284" h="0">
+                  <a:moveTo>
+                    <a:pt x="0" y="0"/>
+                  </a:moveTo>
+                  <a:lnTo>
+                    <a:pt x="7509284" y="0"/>
+                  </a:lnTo>
+                  <a:lnTo>
+                    <a:pt x="7509284" y="0"/>
+                  </a:lnTo>
+                </a:path>
+              </a:pathLst>
+            </a:custGeom>
+            <a:ln w="7143" cap="flat">
               <a:solidFill>
-                <a:srgbClr val="FFFFFF">
+                <a:srgbClr val="C3C7CB">
                   <a:alpha val="100000"/>
                 </a:srgbClr>
               </a:solidFill>
               <a:prstDash val="solid"/>
-              <a:miter/>
+              <a:round/>
             </a:ln>
           </p:spPr>
           <p:txBody>
@@ -4205,8 +4669,8 @@
           </p:nvSpPr>
           <p:spPr>
             <a:xfrm>
-              <a:off x="1205222" y="4252582"/>
-              <a:ext cx="662583" cy="205339"/>
+              <a:off x="469017" y="4502484"/>
+              <a:ext cx="662583" cy="116314"/>
             </a:xfrm>
             <a:prstGeom prst="rect">
               <a:avLst/>
@@ -4240,8 +4704,8 @@
           </p:nvSpPr>
           <p:spPr>
             <a:xfrm>
-              <a:off x="1941426" y="3994397"/>
-              <a:ext cx="662583" cy="463525"/>
+              <a:off x="1205222" y="4180654"/>
+              <a:ext cx="662583" cy="438144"/>
             </a:xfrm>
             <a:prstGeom prst="rect">
               <a:avLst/>
@@ -4275,8 +4739,8 @@
           </p:nvSpPr>
           <p:spPr>
             <a:xfrm>
-              <a:off x="2677631" y="3457758"/>
-              <a:ext cx="662583" cy="1000164"/>
+              <a:off x="1941426" y="4022872"/>
+              <a:ext cx="662583" cy="595926"/>
             </a:xfrm>
             <a:prstGeom prst="rect">
               <a:avLst/>
@@ -4310,8 +4774,8 @@
           </p:nvSpPr>
           <p:spPr>
             <a:xfrm>
-              <a:off x="3413835" y="3303410"/>
-              <a:ext cx="662583" cy="1154512"/>
+              <a:off x="2677631" y="3809020"/>
+              <a:ext cx="662583" cy="809779"/>
             </a:xfrm>
             <a:prstGeom prst="rect">
               <a:avLst/>
@@ -4345,8 +4809,8 @@
           </p:nvSpPr>
           <p:spPr>
             <a:xfrm>
-              <a:off x="4150039" y="3113197"/>
-              <a:ext cx="662583" cy="1344724"/>
+              <a:off x="3413835" y="3732916"/>
+              <a:ext cx="662583" cy="885882"/>
             </a:xfrm>
             <a:prstGeom prst="rect">
               <a:avLst/>
@@ -4380,8 +4844,8 @@
           </p:nvSpPr>
           <p:spPr>
             <a:xfrm>
-              <a:off x="4886244" y="2893988"/>
-              <a:ext cx="662583" cy="1563934"/>
+              <a:off x="4150039" y="3576519"/>
+              <a:ext cx="662583" cy="1042280"/>
             </a:xfrm>
             <a:prstGeom prst="rect">
               <a:avLst/>
@@ -4415,8 +4879,8 @@
           </p:nvSpPr>
           <p:spPr>
             <a:xfrm>
-              <a:off x="5622448" y="2245151"/>
-              <a:ext cx="662583" cy="2212770"/>
+              <a:off x="4886244" y="3386909"/>
+              <a:ext cx="662583" cy="1231890"/>
             </a:xfrm>
             <a:prstGeom prst="rect">
               <a:avLst/>
@@ -4450,8 +4914,8 @@
           </p:nvSpPr>
           <p:spPr>
             <a:xfrm>
-              <a:off x="6358653" y="1553894"/>
-              <a:ext cx="662583" cy="2904027"/>
+              <a:off x="5622448" y="2829139"/>
+              <a:ext cx="662583" cy="1789659"/>
             </a:xfrm>
             <a:prstGeom prst="rect">
               <a:avLst/>
@@ -4485,8 +4949,8 @@
           </p:nvSpPr>
           <p:spPr>
             <a:xfrm>
-              <a:off x="7094857" y="158346"/>
-              <a:ext cx="662583" cy="4299576"/>
+              <a:off x="6358653" y="2225269"/>
+              <a:ext cx="662583" cy="2393530"/>
             </a:xfrm>
             <a:prstGeom prst="rect">
               <a:avLst/>
@@ -4514,13 +4978,48 @@
         </p:sp>
         <p:sp>
           <p:nvSpPr>
-            <p:cNvPr id="21" name="tx19"/>
+            <p:cNvPr id="21" name="rc19"/>
             <p:cNvSpPr/>
             <p:nvPr/>
           </p:nvSpPr>
           <p:spPr>
             <a:xfrm>
-              <a:off x="128965" y="4372644"/>
+              <a:off x="7094857" y="158346"/>
+              <a:ext cx="662583" cy="4460452"/>
+            </a:xfrm>
+            <a:prstGeom prst="rect">
+              <a:avLst/>
+            </a:prstGeom>
+            <a:solidFill>
+              <a:srgbClr val="F68B33">
+                <a:alpha val="100000"/>
+              </a:srgbClr>
+            </a:solidFill>
+            <a:ln w="7143" cap="sq">
+              <a:solidFill>
+                <a:srgbClr val="FFFFFF">
+                  <a:alpha val="100000"/>
+                </a:srgbClr>
+              </a:solidFill>
+              <a:prstDash val="solid"/>
+              <a:miter/>
+            </a:ln>
+          </p:spPr>
+          <p:txBody>
+            <a:bodyPr/>
+            <a:lstStyle/>
+            <a:p/>
+          </p:txBody>
+        </p:sp>
+        <p:sp>
+          <p:nvSpPr>
+            <p:cNvPr id="22" name="tx20"/>
+            <p:cNvSpPr/>
+            <p:nvPr/>
+          </p:nvSpPr>
+          <p:spPr>
+            <a:xfrm>
+              <a:off x="128965" y="4533520"/>
               <a:ext cx="127136" cy="167096"/>
             </a:xfrm>
             <a:prstGeom prst="rect">
@@ -4560,13 +5059,13 @@
         </p:sp>
         <p:sp>
           <p:nvSpPr>
-            <p:cNvPr id="22" name="tx20"/>
+            <p:cNvPr id="23" name="tx21"/>
             <p:cNvSpPr/>
             <p:nvPr/>
           </p:nvSpPr>
           <p:spPr>
             <a:xfrm>
-              <a:off x="1828" y="2873874"/>
+              <a:off x="1828" y="3157134"/>
               <a:ext cx="254272" cy="167096"/>
             </a:xfrm>
             <a:prstGeom prst="rect">
@@ -4606,13 +5105,13 @@
         </p:sp>
         <p:sp>
           <p:nvSpPr>
-            <p:cNvPr id="23" name="tx21"/>
+            <p:cNvPr id="24" name="tx22"/>
             <p:cNvSpPr/>
             <p:nvPr/>
           </p:nvSpPr>
           <p:spPr>
             <a:xfrm>
-              <a:off x="1828" y="1375104"/>
+              <a:off x="1828" y="1780748"/>
               <a:ext cx="254272" cy="167096"/>
             </a:xfrm>
             <a:prstGeom prst="rect">
@@ -4652,7 +5151,53 @@
         </p:sp>
         <p:sp>
           <p:nvSpPr>
-            <p:cNvPr id="24" name="pl22"/>
+            <p:cNvPr id="25" name="tx23"/>
+            <p:cNvSpPr/>
+            <p:nvPr/>
+          </p:nvSpPr>
+          <p:spPr>
+            <a:xfrm>
+              <a:off x="1828" y="404251"/>
+              <a:ext cx="254272" cy="167208"/>
+            </a:xfrm>
+            <a:prstGeom prst="rect">
+              <a:avLst/>
+            </a:prstGeom>
+            <a:noFill/>
+          </p:spPr>
+          <p:txBody>
+            <a:bodyPr lIns="0" rIns="0" tIns="0" bIns="0" anchorCtr="1" anchor="ctr" wrap="none"/>
+            <a:lstStyle/>
+            <a:p>
+              <a:pPr algn="l" marL="0" marR="0" indent="0">
+                <a:lnSpc>
+                  <a:spcPts val="1800"/>
+                </a:lnSpc>
+                <a:spcBef>
+                  <a:spcPts val="0"/>
+                </a:spcBef>
+                <a:spcAft>
+                  <a:spcPts val="0"/>
+                </a:spcAft>
+              </a:pPr>
+              <a:r>
+                <a:rPr sz="1800">
+                  <a:solidFill>
+                    <a:srgbClr val="000000">
+                      <a:alpha val="100000"/>
+                    </a:srgbClr>
+                  </a:solidFill>
+                  <a:latin typeface="Arial"/>
+                  <a:cs typeface="Arial"/>
+                </a:rPr>
+                <a:t>30</a:t>
+              </a:r>
+            </a:p>
+          </p:txBody>
+        </p:sp>
+        <p:sp>
+          <p:nvSpPr>
+            <p:cNvPr id="26" name="pl24"/>
             <p:cNvSpPr/>
             <p:nvPr/>
           </p:nvSpPr>
@@ -4692,7 +5237,7 @@
         </p:sp>
         <p:sp>
           <p:nvSpPr>
-            <p:cNvPr id="25" name="pl23"/>
+            <p:cNvPr id="27" name="pl25"/>
             <p:cNvSpPr/>
             <p:nvPr/>
           </p:nvSpPr>
@@ -4732,7 +5277,7 @@
         </p:sp>
         <p:sp>
           <p:nvSpPr>
-            <p:cNvPr id="26" name="pl24"/>
+            <p:cNvPr id="28" name="pl26"/>
             <p:cNvSpPr/>
             <p:nvPr/>
           </p:nvSpPr>
@@ -4772,7 +5317,7 @@
         </p:sp>
         <p:sp>
           <p:nvSpPr>
-            <p:cNvPr id="27" name="pl25"/>
+            <p:cNvPr id="29" name="pl27"/>
             <p:cNvSpPr/>
             <p:nvPr/>
           </p:nvSpPr>
@@ -4812,7 +5357,7 @@
         </p:sp>
         <p:sp>
           <p:nvSpPr>
-            <p:cNvPr id="28" name="pl26"/>
+            <p:cNvPr id="30" name="pl28"/>
             <p:cNvSpPr/>
             <p:nvPr/>
           </p:nvSpPr>
@@ -4852,7 +5397,7 @@
         </p:sp>
         <p:sp>
           <p:nvSpPr>
-            <p:cNvPr id="29" name="pl27"/>
+            <p:cNvPr id="31" name="pl29"/>
             <p:cNvSpPr/>
             <p:nvPr/>
           </p:nvSpPr>
@@ -4892,7 +5437,7 @@
         </p:sp>
         <p:sp>
           <p:nvSpPr>
-            <p:cNvPr id="30" name="pl28"/>
+            <p:cNvPr id="32" name="pl30"/>
             <p:cNvSpPr/>
             <p:nvPr/>
           </p:nvSpPr>
@@ -4932,7 +5477,7 @@
         </p:sp>
         <p:sp>
           <p:nvSpPr>
-            <p:cNvPr id="31" name="pl29"/>
+            <p:cNvPr id="33" name="pl31"/>
             <p:cNvSpPr/>
             <p:nvPr/>
           </p:nvSpPr>
@@ -4972,7 +5517,7 @@
         </p:sp>
         <p:sp>
           <p:nvSpPr>
-            <p:cNvPr id="32" name="pl30"/>
+            <p:cNvPr id="34" name="pl32"/>
             <p:cNvSpPr/>
             <p:nvPr/>
           </p:nvSpPr>
@@ -5012,7 +5557,7 @@
         </p:sp>
         <p:sp>
           <p:nvSpPr>
-            <p:cNvPr id="33" name="pl31"/>
+            <p:cNvPr id="35" name="pl33"/>
             <p:cNvSpPr/>
             <p:nvPr/>
           </p:nvSpPr>
@@ -5052,7 +5597,7 @@
         </p:sp>
         <p:sp>
           <p:nvSpPr>
-            <p:cNvPr id="34" name="pl32"/>
+            <p:cNvPr id="36" name="pl34"/>
             <p:cNvSpPr/>
             <p:nvPr/>
           </p:nvSpPr>
@@ -5092,7 +5637,7 @@
         </p:sp>
         <p:sp>
           <p:nvSpPr>
-            <p:cNvPr id="35" name="tx33"/>
+            <p:cNvPr id="37" name="tx35"/>
             <p:cNvSpPr/>
             <p:nvPr/>
           </p:nvSpPr>
@@ -5138,7 +5683,7 @@
         </p:sp>
         <p:sp>
           <p:nvSpPr>
-            <p:cNvPr id="36" name="tx34"/>
+            <p:cNvPr id="38" name="tx36"/>
             <p:cNvSpPr/>
             <p:nvPr/>
           </p:nvSpPr>
@@ -5184,7 +5729,7 @@
         </p:sp>
         <p:sp>
           <p:nvSpPr>
-            <p:cNvPr id="37" name="tx35"/>
+            <p:cNvPr id="39" name="tx37"/>
             <p:cNvSpPr/>
             <p:nvPr/>
           </p:nvSpPr>
@@ -5230,7 +5775,7 @@
         </p:sp>
         <p:sp>
           <p:nvSpPr>
-            <p:cNvPr id="38" name="tx36"/>
+            <p:cNvPr id="40" name="tx38"/>
             <p:cNvSpPr/>
             <p:nvPr/>
           </p:nvSpPr>
@@ -5276,7 +5821,7 @@
         </p:sp>
         <p:sp>
           <p:nvSpPr>
-            <p:cNvPr id="39" name="tx37"/>
+            <p:cNvPr id="41" name="tx39"/>
             <p:cNvSpPr/>
             <p:nvPr/>
           </p:nvSpPr>
@@ -5322,7 +5867,7 @@
         </p:sp>
         <p:sp>
           <p:nvSpPr>
-            <p:cNvPr id="40" name="tx38"/>
+            <p:cNvPr id="42" name="tx40"/>
             <p:cNvSpPr/>
             <p:nvPr/>
           </p:nvSpPr>
@@ -5368,7 +5913,7 @@
         </p:sp>
         <p:sp>
           <p:nvSpPr>
-            <p:cNvPr id="41" name="tx39"/>
+            <p:cNvPr id="43" name="tx41"/>
             <p:cNvSpPr/>
             <p:nvPr/>
           </p:nvSpPr>
@@ -5414,7 +5959,7 @@
         </p:sp>
         <p:sp>
           <p:nvSpPr>
-            <p:cNvPr id="42" name="tx40"/>
+            <p:cNvPr id="44" name="tx42"/>
             <p:cNvSpPr/>
             <p:nvPr/>
           </p:nvSpPr>
@@ -5460,7 +6005,7 @@
         </p:sp>
         <p:sp>
           <p:nvSpPr>
-            <p:cNvPr id="43" name="tx41"/>
+            <p:cNvPr id="45" name="tx43"/>
             <p:cNvSpPr/>
             <p:nvPr/>
           </p:nvSpPr>
@@ -5506,7 +6051,7 @@
         </p:sp>
         <p:sp>
           <p:nvSpPr>
-            <p:cNvPr id="44" name="tx42"/>
+            <p:cNvPr id="46" name="tx44"/>
             <p:cNvSpPr/>
             <p:nvPr/>
           </p:nvSpPr>
@@ -5552,7 +6097,7 @@
         </p:sp>
         <p:sp>
           <p:nvSpPr>
-            <p:cNvPr id="45" name="tx43"/>
+            <p:cNvPr id="47" name="tx45"/>
             <p:cNvSpPr/>
             <p:nvPr/>
           </p:nvSpPr>
